--- a/Slides/On-Campus/03_02_Logic-Conditionals.pptx
+++ b/Slides/On-Campus/03_02_Logic-Conditionals.pptx
@@ -228,7 +228,7 @@
           <a:p>
             <a:fld id="{4D7E51A5-B478-1E40-8CBB-0DAA8831E99D}" type="datetimeFigureOut">
               <a:rPr lang="en-US" smtClean="0"/>
-              <a:t>9/6/21</a:t>
+              <a:t>9/8/21</a:t>
             </a:fld>
             <a:endParaRPr lang="en-US"/>
           </a:p>
@@ -393,7 +393,7 @@
           <a:p>
             <a:fld id="{D0ED587F-861E-6740-9643-E3DDAE89B8D6}" type="datetimeFigureOut">
               <a:rPr lang="en-US" smtClean="0"/>
-              <a:t>9/6/21</a:t>
+              <a:t>9/8/21</a:t>
             </a:fld>
             <a:endParaRPr lang="en-US"/>
           </a:p>
@@ -11875,6 +11875,55 @@
           </a:ln>
         </p:spPr>
       </p:pic>
+      <p:sp>
+        <p:nvSpPr>
+          <p:cNvPr id="3" name="TextBox 2">
+            <a:extLst>
+              <a:ext uri="{FF2B5EF4-FFF2-40B4-BE49-F238E27FC236}">
+                <a16:creationId xmlns:a16="http://schemas.microsoft.com/office/drawing/2014/main" id="{517ECBBE-97C5-6B43-A73A-9690596ABA9D}"/>
+              </a:ext>
+            </a:extLst>
+          </p:cNvPr>
+          <p:cNvSpPr txBox="1"/>
+          <p:nvPr/>
+        </p:nvSpPr>
+        <p:spPr>
+          <a:xfrm>
+            <a:off x="1265358" y="6152921"/>
+            <a:ext cx="3972562" cy="707886"/>
+          </a:xfrm>
+          <a:prstGeom prst="rect">
+            <a:avLst/>
+          </a:prstGeom>
+          <a:noFill/>
+        </p:spPr>
+        <p:txBody>
+          <a:bodyPr wrap="none" rtlCol="0">
+            <a:spAutoFit/>
+          </a:bodyPr>
+          <a:lstStyle/>
+          <a:p>
+            <a:r>
+              <a:rPr lang="en-US" dirty="0"/>
+              <a:t>Group Project</a:t>
+            </a:r>
+          </a:p>
+          <a:p>
+            <a:r>
+              <a:rPr lang="en-US" dirty="0"/>
+              <a:t>Can you </a:t>
+            </a:r>
+            <a:r>
+              <a:rPr lang="en-US"/>
+              <a:t>code based on the </a:t>
+            </a:r>
+            <a:r>
+              <a:rPr lang="en-US" dirty="0"/>
+              <a:t>tree?</a:t>
+            </a:r>
+          </a:p>
+        </p:txBody>
+      </p:sp>
     </p:spTree>
   </p:cSld>
   <p:clrMapOvr>
@@ -12849,7 +12898,7 @@
             </a:r>
             <a:r>
               <a:rPr lang="en-US" dirty="0"/>
-              <a:t> Thursday </a:t>
+              <a:t> Thursday (Today) </a:t>
             </a:r>
           </a:p>
           <a:p>
@@ -13078,6 +13127,49 @@
               <a:effectLst/>
               <a:latin typeface="Calibri" panose="020F0502020204030204" pitchFamily="34" charset="0"/>
             </a:endParaRPr>
+          </a:p>
+        </p:txBody>
+      </p:sp>
+      <p:sp>
+        <p:nvSpPr>
+          <p:cNvPr id="2" name="TextBox 1">
+            <a:extLst>
+              <a:ext uri="{FF2B5EF4-FFF2-40B4-BE49-F238E27FC236}">
+                <a16:creationId xmlns:a16="http://schemas.microsoft.com/office/drawing/2014/main" id="{52C114DF-9CB4-C942-9B98-689153BD0BAD}"/>
+              </a:ext>
+            </a:extLst>
+          </p:cNvPr>
+          <p:cNvSpPr txBox="1"/>
+          <p:nvPr/>
+        </p:nvSpPr>
+        <p:spPr>
+          <a:xfrm>
+            <a:off x="7382933" y="488988"/>
+            <a:ext cx="4328429" cy="707886"/>
+          </a:xfrm>
+          <a:prstGeom prst="rect">
+            <a:avLst/>
+          </a:prstGeom>
+          <a:solidFill>
+            <a:schemeClr val="accent2"/>
+          </a:solidFill>
+        </p:spPr>
+        <p:txBody>
+          <a:bodyPr wrap="none" rtlCol="0">
+            <a:spAutoFit/>
+          </a:bodyPr>
+          <a:lstStyle/>
+          <a:p>
+            <a:r>
+              <a:rPr lang="en-US" b="1" dirty="0"/>
+              <a:t>Opening Question</a:t>
+            </a:r>
+          </a:p>
+          <a:p>
+            <a:r>
+              <a:rPr lang="en-US" dirty="0"/>
+              <a:t>Do you have a favorite board game?</a:t>
+            </a:r>
           </a:p>
         </p:txBody>
       </p:sp>
@@ -13681,8 +13773,8 @@
         </p:nvSpPr>
         <p:spPr>
           <a:xfrm>
-            <a:off x="917319" y="5731117"/>
-            <a:ext cx="7268293" cy="514533"/>
+            <a:off x="628075" y="6141741"/>
+            <a:ext cx="7268293" cy="1150881"/>
           </a:xfrm>
           <a:prstGeom prst="rect">
             <a:avLst/>
@@ -13710,7 +13802,7 @@
               </a:spcAft>
             </a:pPr>
             <a:r>
-              <a:rPr lang="en" sz="3022" dirty="0">
+              <a:rPr lang="en" sz="2400" dirty="0">
                 <a:solidFill>
                   <a:schemeClr val="dk1"/>
                 </a:solidFill>
@@ -13721,7 +13813,7 @@
               </a:rPr>
               <a:t>Second law: Invention is the mother of necessity.</a:t>
             </a:r>
-            <a:endParaRPr sz="3022" dirty="0">
+            <a:endParaRPr sz="2400" dirty="0">
               <a:latin typeface="Proxima Nova"/>
               <a:ea typeface="Proxima Nova"/>
               <a:cs typeface="Proxima Nova"/>

--- a/Slides/On-Campus/03_02_Logic-Conditionals.pptx
+++ b/Slides/On-Campus/03_02_Logic-Conditionals.pptx
@@ -5,10 +5,10 @@
     <p:sldMasterId id="2147483648" r:id="rId1"/>
   </p:sldMasterIdLst>
   <p:notesMasterIdLst>
-    <p:notesMasterId r:id="rId17"/>
+    <p:notesMasterId r:id="rId19"/>
   </p:notesMasterIdLst>
   <p:handoutMasterIdLst>
-    <p:handoutMasterId r:id="rId18"/>
+    <p:handoutMasterId r:id="rId20"/>
   </p:handoutMasterIdLst>
   <p:sldIdLst>
     <p:sldId id="256" r:id="rId2"/>
@@ -23,9 +23,11 @@
     <p:sldId id="258" r:id="rId11"/>
     <p:sldId id="260" r:id="rId12"/>
     <p:sldId id="261" r:id="rId13"/>
-    <p:sldId id="262" r:id="rId14"/>
-    <p:sldId id="263" r:id="rId15"/>
-    <p:sldId id="264" r:id="rId16"/>
+    <p:sldId id="277" r:id="rId14"/>
+    <p:sldId id="262" r:id="rId15"/>
+    <p:sldId id="263" r:id="rId16"/>
+    <p:sldId id="278" r:id="rId17"/>
+    <p:sldId id="264" r:id="rId18"/>
   </p:sldIdLst>
   <p:sldSz cx="13817600" cy="7772400"/>
   <p:notesSz cx="6858000" cy="9144000"/>
@@ -10586,6 +10588,334 @@
           <p:cNvPr id="2" name="Title 1">
             <a:extLst>
               <a:ext uri="{FF2B5EF4-FFF2-40B4-BE49-F238E27FC236}">
+                <a16:creationId xmlns:a16="http://schemas.microsoft.com/office/drawing/2014/main" id="{84C0EF4A-2C3E-194F-B62B-FF48FC1462D9}"/>
+              </a:ext>
+            </a:extLst>
+          </p:cNvPr>
+          <p:cNvSpPr>
+            <a:spLocks noGrp="1"/>
+          </p:cNvSpPr>
+          <p:nvPr>
+            <p:ph type="title"/>
+          </p:nvPr>
+        </p:nvSpPr>
+        <p:spPr/>
+        <p:txBody>
+          <a:bodyPr/>
+          <a:lstStyle/>
+          <a:p>
+            <a:r>
+              <a:rPr lang="en-US" dirty="0"/>
+              <a:t>Group Practice</a:t>
+            </a:r>
+          </a:p>
+        </p:txBody>
+      </p:sp>
+      <p:sp>
+        <p:nvSpPr>
+          <p:cNvPr id="3" name="Text Placeholder 2">
+            <a:extLst>
+              <a:ext uri="{FF2B5EF4-FFF2-40B4-BE49-F238E27FC236}">
+                <a16:creationId xmlns:a16="http://schemas.microsoft.com/office/drawing/2014/main" id="{E9359C9E-81BD-C144-8D15-63C7EB0113B3}"/>
+              </a:ext>
+            </a:extLst>
+          </p:cNvPr>
+          <p:cNvSpPr>
+            <a:spLocks noGrp="1"/>
+          </p:cNvSpPr>
+          <p:nvPr>
+            <p:ph type="body" idx="1"/>
+          </p:nvPr>
+        </p:nvSpPr>
+        <p:spPr>
+          <a:xfrm>
+            <a:off x="628075" y="1920725"/>
+            <a:ext cx="12561413" cy="630564"/>
+          </a:xfrm>
+        </p:spPr>
+        <p:txBody>
+          <a:bodyPr/>
+          <a:lstStyle/>
+          <a:p>
+            <a:r>
+              <a:rPr lang="en-US" dirty="0"/>
+              <a:t>Complete the following code</a:t>
+            </a:r>
+          </a:p>
+        </p:txBody>
+      </p:sp>
+      <p:sp>
+        <p:nvSpPr>
+          <p:cNvPr id="5" name="TextBox 4">
+            <a:extLst>
+              <a:ext uri="{FF2B5EF4-FFF2-40B4-BE49-F238E27FC236}">
+                <a16:creationId xmlns:a16="http://schemas.microsoft.com/office/drawing/2014/main" id="{35412793-F400-5C42-AC21-77E51CD11ED8}"/>
+              </a:ext>
+            </a:extLst>
+          </p:cNvPr>
+          <p:cNvSpPr txBox="1"/>
+          <p:nvPr/>
+        </p:nvSpPr>
+        <p:spPr>
+          <a:xfrm>
+            <a:off x="1329266" y="2762815"/>
+            <a:ext cx="7871177" cy="2246769"/>
+          </a:xfrm>
+          <a:prstGeom prst="rect">
+            <a:avLst/>
+          </a:prstGeom>
+          <a:noFill/>
+        </p:spPr>
+        <p:txBody>
+          <a:bodyPr wrap="square">
+            <a:spAutoFit/>
+          </a:bodyPr>
+          <a:lstStyle/>
+          <a:p>
+            <a:r>
+              <a:rPr lang="en-US" dirty="0">
+                <a:solidFill>
+                  <a:srgbClr val="CC7832"/>
+                </a:solidFill>
+                <a:effectLst/>
+              </a:rPr>
+              <a:t>def </a:t>
+            </a:r>
+            <a:r>
+              <a:rPr lang="en-US" dirty="0" err="1">
+                <a:solidFill>
+                  <a:srgbClr val="FFC66D"/>
+                </a:solidFill>
+                <a:effectLst/>
+              </a:rPr>
+              <a:t>age_check</a:t>
+            </a:r>
+            <a:r>
+              <a:rPr lang="en-US" dirty="0"/>
+              <a:t>(</a:t>
+            </a:r>
+            <a:r>
+              <a:rPr lang="en-US" i="1" dirty="0">
+                <a:solidFill>
+                  <a:srgbClr val="9876AA"/>
+                </a:solidFill>
+                <a:effectLst/>
+              </a:rPr>
+              <a:t>age</a:t>
+            </a:r>
+            <a:r>
+              <a:rPr lang="en-US" dirty="0"/>
+              <a:t>):</a:t>
+            </a:r>
+            <a:br>
+              <a:rPr lang="en-US" dirty="0"/>
+            </a:br>
+            <a:r>
+              <a:rPr lang="en-US" dirty="0"/>
+              <a:t>	</a:t>
+            </a:r>
+            <a:r>
+              <a:rPr lang="en-US" dirty="0">
+                <a:solidFill>
+                  <a:srgbClr val="808080"/>
+                </a:solidFill>
+                <a:effectLst/>
+              </a:rPr>
+              <a:t>#</a:t>
+            </a:r>
+            <a:r>
+              <a:rPr lang="en-US" i="1" dirty="0">
+                <a:solidFill>
+                  <a:srgbClr val="A8C023"/>
+                </a:solidFill>
+                <a:effectLst/>
+              </a:rPr>
+              <a:t>TODO - add a line of code here, you  do not print here! </a:t>
+            </a:r>
+            <a:br>
+              <a:rPr lang="en-US" i="1" dirty="0">
+                <a:solidFill>
+                  <a:srgbClr val="A8C023"/>
+                </a:solidFill>
+                <a:effectLst/>
+              </a:rPr>
+            </a:br>
+            <a:br>
+              <a:rPr lang="en-US" i="1" dirty="0">
+                <a:solidFill>
+                  <a:srgbClr val="A8C023"/>
+                </a:solidFill>
+                <a:effectLst/>
+              </a:rPr>
+            </a:br>
+            <a:br>
+              <a:rPr lang="en-US" i="1" dirty="0">
+                <a:solidFill>
+                  <a:srgbClr val="A8C023"/>
+                </a:solidFill>
+                <a:effectLst/>
+              </a:rPr>
+            </a:br>
+            <a:r>
+              <a:rPr lang="en-US" dirty="0"/>
+              <a:t>print(</a:t>
+            </a:r>
+            <a:r>
+              <a:rPr lang="en-US" dirty="0" err="1"/>
+              <a:t>age_check</a:t>
+            </a:r>
+            <a:r>
+              <a:rPr lang="en-US" dirty="0"/>
+              <a:t>(</a:t>
+            </a:r>
+            <a:r>
+              <a:rPr lang="en-US" dirty="0">
+                <a:solidFill>
+                  <a:srgbClr val="6897BB"/>
+                </a:solidFill>
+                <a:effectLst/>
+              </a:rPr>
+              <a:t>21</a:t>
+            </a:r>
+            <a:r>
+              <a:rPr lang="en-US" dirty="0"/>
+              <a:t>)) </a:t>
+            </a:r>
+            <a:r>
+              <a:rPr lang="en-US" dirty="0">
+                <a:solidFill>
+                  <a:srgbClr val="808080"/>
+                </a:solidFill>
+                <a:effectLst/>
+              </a:rPr>
+              <a:t># prints True</a:t>
+            </a:r>
+            <a:br>
+              <a:rPr lang="en-US" dirty="0">
+                <a:solidFill>
+                  <a:srgbClr val="808080"/>
+                </a:solidFill>
+                <a:effectLst/>
+              </a:rPr>
+            </a:br>
+            <a:r>
+              <a:rPr lang="en-US" dirty="0"/>
+              <a:t>print(</a:t>
+            </a:r>
+            <a:r>
+              <a:rPr lang="en-US" dirty="0" err="1"/>
+              <a:t>age_check</a:t>
+            </a:r>
+            <a:r>
+              <a:rPr lang="en-US" dirty="0"/>
+              <a:t>(</a:t>
+            </a:r>
+            <a:r>
+              <a:rPr lang="en-US" dirty="0">
+                <a:solidFill>
+                  <a:srgbClr val="6897BB"/>
+                </a:solidFill>
+                <a:effectLst/>
+              </a:rPr>
+              <a:t>20</a:t>
+            </a:r>
+            <a:r>
+              <a:rPr lang="en-US" dirty="0"/>
+              <a:t>)) </a:t>
+            </a:r>
+            <a:r>
+              <a:rPr lang="en-US" dirty="0">
+                <a:solidFill>
+                  <a:srgbClr val="808080"/>
+                </a:solidFill>
+                <a:effectLst/>
+              </a:rPr>
+              <a:t># prints False</a:t>
+            </a:r>
+            <a:br>
+              <a:rPr lang="en-US" dirty="0">
+                <a:solidFill>
+                  <a:srgbClr val="808080"/>
+                </a:solidFill>
+                <a:effectLst/>
+              </a:rPr>
+            </a:br>
+            <a:r>
+              <a:rPr lang="en-US" dirty="0"/>
+              <a:t>print(</a:t>
+            </a:r>
+            <a:r>
+              <a:rPr lang="en-US" dirty="0" err="1"/>
+              <a:t>age_check</a:t>
+            </a:r>
+            <a:r>
+              <a:rPr lang="en-US" dirty="0"/>
+              <a:t>(</a:t>
+            </a:r>
+            <a:r>
+              <a:rPr lang="en-US" dirty="0">
+                <a:solidFill>
+                  <a:srgbClr val="6897BB"/>
+                </a:solidFill>
+                <a:effectLst/>
+              </a:rPr>
+              <a:t>22</a:t>
+            </a:r>
+            <a:r>
+              <a:rPr lang="en-US" dirty="0"/>
+              <a:t>)) </a:t>
+            </a:r>
+            <a:r>
+              <a:rPr lang="en-US" dirty="0">
+                <a:solidFill>
+                  <a:srgbClr val="808080"/>
+                </a:solidFill>
+                <a:effectLst/>
+              </a:rPr>
+              <a:t># prints True</a:t>
+            </a:r>
+            <a:endParaRPr lang="en-US" dirty="0"/>
+          </a:p>
+        </p:txBody>
+      </p:sp>
+    </p:spTree>
+    <p:extLst>
+      <p:ext uri="{BB962C8B-B14F-4D97-AF65-F5344CB8AC3E}">
+        <p14:creationId xmlns:p14="http://schemas.microsoft.com/office/powerpoint/2010/main" val="3797561380"/>
+      </p:ext>
+    </p:extLst>
+  </p:cSld>
+  <p:clrMapOvr>
+    <a:masterClrMapping/>
+  </p:clrMapOvr>
+  <p:transition>
+    <p:fade/>
+  </p:transition>
+</p:sld>
+</file>
+
+<file path=ppt/slides/slide14.xml><?xml version="1.0" encoding="utf-8"?>
+<p:sld xmlns:a="http://schemas.openxmlformats.org/drawingml/2006/main" xmlns:r="http://schemas.openxmlformats.org/officeDocument/2006/relationships" xmlns:p="http://schemas.openxmlformats.org/presentationml/2006/main">
+  <p:cSld>
+    <p:spTree>
+      <p:nvGrpSpPr>
+        <p:cNvPr id="1" name=""/>
+        <p:cNvGrpSpPr/>
+        <p:nvPr/>
+      </p:nvGrpSpPr>
+      <p:grpSpPr>
+        <a:xfrm>
+          <a:off x="0" y="0"/>
+          <a:ext cx="0" cy="0"/>
+          <a:chOff x="0" y="0"/>
+          <a:chExt cx="0" cy="0"/>
+        </a:xfrm>
+      </p:grpSpPr>
+      <p:sp>
+        <p:nvSpPr>
+          <p:cNvPr id="2" name="Title 1">
+            <a:extLst>
+              <a:ext uri="{FF2B5EF4-FFF2-40B4-BE49-F238E27FC236}">
                 <a16:creationId xmlns:a16="http://schemas.microsoft.com/office/drawing/2014/main" id="{9F025B83-0F1C-3A45-9135-939C71D92995}"/>
               </a:ext>
             </a:extLst>
@@ -11440,7 +11770,7 @@
 </p:sld>
 </file>
 
-<file path=ppt/slides/slide14.xml><?xml version="1.0" encoding="utf-8"?>
+<file path=ppt/slides/slide15.xml><?xml version="1.0" encoding="utf-8"?>
 <p:sld xmlns:a="http://schemas.openxmlformats.org/drawingml/2006/main" xmlns:r="http://schemas.openxmlformats.org/officeDocument/2006/relationships" xmlns:p="http://schemas.openxmlformats.org/presentationml/2006/main">
   <p:cSld>
     <p:spTree>
@@ -11889,7 +12219,7 @@
         </p:nvSpPr>
         <p:spPr>
           <a:xfrm>
-            <a:off x="1265358" y="6152921"/>
+            <a:off x="1081708" y="4527321"/>
             <a:ext cx="3972562" cy="707886"/>
           </a:xfrm>
           <a:prstGeom prst="rect">
@@ -11911,15 +12241,7 @@
           <a:p>
             <a:r>
               <a:rPr lang="en-US" dirty="0"/>
-              <a:t>Can you </a:t>
-            </a:r>
-            <a:r>
-              <a:rPr lang="en-US"/>
-              <a:t>code based on the </a:t>
-            </a:r>
-            <a:r>
-              <a:rPr lang="en-US" dirty="0"/>
-              <a:t>tree?</a:t>
+              <a:t>Can you code based on the tree?</a:t>
             </a:r>
           </a:p>
         </p:txBody>
@@ -12332,7 +12654,697 @@
 </p:sld>
 </file>
 
-<file path=ppt/slides/slide15.xml><?xml version="1.0" encoding="utf-8"?>
+<file path=ppt/slides/slide16.xml><?xml version="1.0" encoding="utf-8"?>
+<p:sld xmlns:a="http://schemas.openxmlformats.org/drawingml/2006/main" xmlns:r="http://schemas.openxmlformats.org/officeDocument/2006/relationships" xmlns:p="http://schemas.openxmlformats.org/presentationml/2006/main">
+  <p:cSld>
+    <p:spTree>
+      <p:nvGrpSpPr>
+        <p:cNvPr id="1" name=""/>
+        <p:cNvGrpSpPr/>
+        <p:nvPr/>
+      </p:nvGrpSpPr>
+      <p:grpSpPr>
+        <a:xfrm>
+          <a:off x="0" y="0"/>
+          <a:ext cx="0" cy="0"/>
+          <a:chOff x="0" y="0"/>
+          <a:chExt cx="0" cy="0"/>
+        </a:xfrm>
+      </p:grpSpPr>
+      <p:sp>
+        <p:nvSpPr>
+          <p:cNvPr id="2" name="Title 1">
+            <a:extLst>
+              <a:ext uri="{FF2B5EF4-FFF2-40B4-BE49-F238E27FC236}">
+                <a16:creationId xmlns:a16="http://schemas.microsoft.com/office/drawing/2014/main" id="{AD2374C8-5F3E-6C48-8DBD-B75C5876969D}"/>
+              </a:ext>
+            </a:extLst>
+          </p:cNvPr>
+          <p:cNvSpPr>
+            <a:spLocks noGrp="1"/>
+          </p:cNvSpPr>
+          <p:nvPr>
+            <p:ph type="title"/>
+          </p:nvPr>
+        </p:nvSpPr>
+        <p:spPr/>
+        <p:txBody>
+          <a:bodyPr/>
+          <a:lstStyle/>
+          <a:p>
+            <a:r>
+              <a:rPr lang="en-US" dirty="0"/>
+              <a:t>Group Practice 2</a:t>
+            </a:r>
+          </a:p>
+        </p:txBody>
+      </p:sp>
+      <p:sp>
+        <p:nvSpPr>
+          <p:cNvPr id="5" name="TextBox 4">
+            <a:extLst>
+              <a:ext uri="{FF2B5EF4-FFF2-40B4-BE49-F238E27FC236}">
+                <a16:creationId xmlns:a16="http://schemas.microsoft.com/office/drawing/2014/main" id="{B8E27C30-8DFC-D246-AB2C-48410D2B6BC1}"/>
+              </a:ext>
+            </a:extLst>
+          </p:cNvPr>
+          <p:cNvSpPr txBox="1"/>
+          <p:nvPr/>
+        </p:nvSpPr>
+        <p:spPr>
+          <a:xfrm>
+            <a:off x="1193800" y="2472071"/>
+            <a:ext cx="10919178" cy="3477875"/>
+          </a:xfrm>
+          <a:prstGeom prst="rect">
+            <a:avLst/>
+          </a:prstGeom>
+          <a:noFill/>
+        </p:spPr>
+        <p:txBody>
+          <a:bodyPr wrap="square">
+            <a:spAutoFit/>
+          </a:bodyPr>
+          <a:lstStyle/>
+          <a:p>
+            <a:r>
+              <a:rPr lang="en-US" dirty="0">
+                <a:solidFill>
+                  <a:srgbClr val="CC7832"/>
+                </a:solidFill>
+                <a:effectLst/>
+                <a:latin typeface="Consolas" panose="020B0609020204030204" pitchFamily="49" charset="0"/>
+                <a:cs typeface="Consolas" panose="020B0609020204030204" pitchFamily="49" charset="0"/>
+              </a:rPr>
+              <a:t>def </a:t>
+            </a:r>
+            <a:r>
+              <a:rPr lang="en-US" dirty="0" err="1">
+                <a:solidFill>
+                  <a:srgbClr val="FFC66D"/>
+                </a:solidFill>
+                <a:effectLst/>
+                <a:latin typeface="Consolas" panose="020B0609020204030204" pitchFamily="49" charset="0"/>
+                <a:cs typeface="Consolas" panose="020B0609020204030204" pitchFamily="49" charset="0"/>
+              </a:rPr>
+              <a:t>age_check_by_region</a:t>
+            </a:r>
+            <a:r>
+              <a:rPr lang="en-US" dirty="0">
+                <a:latin typeface="Consolas" panose="020B0609020204030204" pitchFamily="49" charset="0"/>
+                <a:cs typeface="Consolas" panose="020B0609020204030204" pitchFamily="49" charset="0"/>
+              </a:rPr>
+              <a:t>(</a:t>
+            </a:r>
+            <a:r>
+              <a:rPr lang="en-US" i="1" dirty="0">
+                <a:solidFill>
+                  <a:srgbClr val="9876AA"/>
+                </a:solidFill>
+                <a:effectLst/>
+                <a:latin typeface="Consolas" panose="020B0609020204030204" pitchFamily="49" charset="0"/>
+                <a:cs typeface="Consolas" panose="020B0609020204030204" pitchFamily="49" charset="0"/>
+              </a:rPr>
+              <a:t>age</a:t>
+            </a:r>
+            <a:r>
+              <a:rPr lang="en-US" dirty="0">
+                <a:solidFill>
+                  <a:srgbClr val="CC7832"/>
+                </a:solidFill>
+                <a:effectLst/>
+                <a:latin typeface="Consolas" panose="020B0609020204030204" pitchFamily="49" charset="0"/>
+                <a:cs typeface="Consolas" panose="020B0609020204030204" pitchFamily="49" charset="0"/>
+              </a:rPr>
+              <a:t>, </a:t>
+            </a:r>
+            <a:r>
+              <a:rPr lang="en-US" i="1" dirty="0">
+                <a:solidFill>
+                  <a:srgbClr val="9876AA"/>
+                </a:solidFill>
+                <a:effectLst/>
+                <a:latin typeface="Consolas" panose="020B0609020204030204" pitchFamily="49" charset="0"/>
+                <a:cs typeface="Consolas" panose="020B0609020204030204" pitchFamily="49" charset="0"/>
+              </a:rPr>
+              <a:t>region</a:t>
+            </a:r>
+            <a:r>
+              <a:rPr lang="en-US" dirty="0">
+                <a:latin typeface="Consolas" panose="020B0609020204030204" pitchFamily="49" charset="0"/>
+                <a:cs typeface="Consolas" panose="020B0609020204030204" pitchFamily="49" charset="0"/>
+              </a:rPr>
+              <a:t>):</a:t>
+            </a:r>
+            <a:br>
+              <a:rPr lang="en-US" dirty="0">
+                <a:latin typeface="Consolas" panose="020B0609020204030204" pitchFamily="49" charset="0"/>
+                <a:cs typeface="Consolas" panose="020B0609020204030204" pitchFamily="49" charset="0"/>
+              </a:rPr>
+            </a:br>
+            <a:r>
+              <a:rPr lang="en-US" dirty="0">
+                <a:latin typeface="Consolas" panose="020B0609020204030204" pitchFamily="49" charset="0"/>
+                <a:cs typeface="Consolas" panose="020B0609020204030204" pitchFamily="49" charset="0"/>
+              </a:rPr>
+              <a:t>   </a:t>
+            </a:r>
+            <a:r>
+              <a:rPr lang="en-US" dirty="0">
+                <a:solidFill>
+                  <a:srgbClr val="808080"/>
+                </a:solidFill>
+                <a:effectLst/>
+                <a:latin typeface="Consolas" panose="020B0609020204030204" pitchFamily="49" charset="0"/>
+                <a:cs typeface="Consolas" panose="020B0609020204030204" pitchFamily="49" charset="0"/>
+              </a:rPr>
+              <a:t>#</a:t>
+            </a:r>
+            <a:r>
+              <a:rPr lang="en-US" i="1" dirty="0">
+                <a:solidFill>
+                  <a:srgbClr val="A8C023"/>
+                </a:solidFill>
+                <a:effectLst/>
+                <a:latin typeface="Consolas" panose="020B0609020204030204" pitchFamily="49" charset="0"/>
+                <a:cs typeface="Consolas" panose="020B0609020204030204" pitchFamily="49" charset="0"/>
+              </a:rPr>
+              <a:t>TODO - add  multiple lines of code here</a:t>
+            </a:r>
+            <a:br>
+              <a:rPr lang="en-US" i="1" dirty="0">
+                <a:solidFill>
+                  <a:srgbClr val="A8C023"/>
+                </a:solidFill>
+                <a:effectLst/>
+                <a:latin typeface="Consolas" panose="020B0609020204030204" pitchFamily="49" charset="0"/>
+                <a:cs typeface="Consolas" panose="020B0609020204030204" pitchFamily="49" charset="0"/>
+              </a:rPr>
+            </a:br>
+            <a:br>
+              <a:rPr lang="en-US" dirty="0">
+                <a:latin typeface="Consolas" panose="020B0609020204030204" pitchFamily="49" charset="0"/>
+                <a:cs typeface="Consolas" panose="020B0609020204030204" pitchFamily="49" charset="0"/>
+              </a:rPr>
+            </a:br>
+            <a:r>
+              <a:rPr lang="en-US" dirty="0">
+                <a:latin typeface="Consolas" panose="020B0609020204030204" pitchFamily="49" charset="0"/>
+                <a:cs typeface="Consolas" panose="020B0609020204030204" pitchFamily="49" charset="0"/>
+              </a:rPr>
+              <a:t>       </a:t>
+            </a:r>
+            <a:br>
+              <a:rPr lang="en-US" dirty="0">
+                <a:latin typeface="Consolas" panose="020B0609020204030204" pitchFamily="49" charset="0"/>
+                <a:cs typeface="Consolas" panose="020B0609020204030204" pitchFamily="49" charset="0"/>
+              </a:rPr>
+            </a:br>
+            <a:r>
+              <a:rPr lang="en-US" dirty="0" err="1">
+                <a:latin typeface="Consolas" panose="020B0609020204030204" pitchFamily="49" charset="0"/>
+                <a:cs typeface="Consolas" panose="020B0609020204030204" pitchFamily="49" charset="0"/>
+              </a:rPr>
+              <a:t>age_check_by_region</a:t>
+            </a:r>
+            <a:r>
+              <a:rPr lang="en-US" dirty="0">
+                <a:latin typeface="Consolas" panose="020B0609020204030204" pitchFamily="49" charset="0"/>
+                <a:cs typeface="Consolas" panose="020B0609020204030204" pitchFamily="49" charset="0"/>
+              </a:rPr>
+              <a:t>(</a:t>
+            </a:r>
+            <a:r>
+              <a:rPr lang="en-US" dirty="0">
+                <a:solidFill>
+                  <a:srgbClr val="6897BB"/>
+                </a:solidFill>
+                <a:effectLst/>
+                <a:latin typeface="Consolas" panose="020B0609020204030204" pitchFamily="49" charset="0"/>
+                <a:cs typeface="Consolas" panose="020B0609020204030204" pitchFamily="49" charset="0"/>
+              </a:rPr>
+              <a:t>21</a:t>
+            </a:r>
+            <a:r>
+              <a:rPr lang="en-US" dirty="0">
+                <a:solidFill>
+                  <a:srgbClr val="CC7832"/>
+                </a:solidFill>
+                <a:effectLst/>
+                <a:latin typeface="Consolas" panose="020B0609020204030204" pitchFamily="49" charset="0"/>
+                <a:cs typeface="Consolas" panose="020B0609020204030204" pitchFamily="49" charset="0"/>
+              </a:rPr>
+              <a:t>,  </a:t>
+            </a:r>
+            <a:r>
+              <a:rPr lang="en-US" dirty="0">
+                <a:solidFill>
+                  <a:srgbClr val="6A8759"/>
+                </a:solidFill>
+                <a:effectLst/>
+                <a:latin typeface="Consolas" panose="020B0609020204030204" pitchFamily="49" charset="0"/>
+                <a:cs typeface="Consolas" panose="020B0609020204030204" pitchFamily="49" charset="0"/>
+              </a:rPr>
+              <a:t>"USA"</a:t>
+            </a:r>
+            <a:r>
+              <a:rPr lang="en-US" dirty="0">
+                <a:latin typeface="Consolas" panose="020B0609020204030204" pitchFamily="49" charset="0"/>
+                <a:cs typeface="Consolas" panose="020B0609020204030204" pitchFamily="49" charset="0"/>
+              </a:rPr>
+              <a:t>) </a:t>
+            </a:r>
+            <a:r>
+              <a:rPr lang="en-US" dirty="0">
+                <a:solidFill>
+                  <a:srgbClr val="808080"/>
+                </a:solidFill>
+                <a:effectLst/>
+                <a:latin typeface="Consolas" panose="020B0609020204030204" pitchFamily="49" charset="0"/>
+                <a:cs typeface="Consolas" panose="020B0609020204030204" pitchFamily="49" charset="0"/>
+              </a:rPr>
+              <a:t># prints "OK to buy"</a:t>
+            </a:r>
+            <a:br>
+              <a:rPr lang="en-US" dirty="0">
+                <a:solidFill>
+                  <a:srgbClr val="808080"/>
+                </a:solidFill>
+                <a:effectLst/>
+                <a:latin typeface="Consolas" panose="020B0609020204030204" pitchFamily="49" charset="0"/>
+                <a:cs typeface="Consolas" panose="020B0609020204030204" pitchFamily="49" charset="0"/>
+              </a:rPr>
+            </a:br>
+            <a:r>
+              <a:rPr lang="en-US" dirty="0" err="1">
+                <a:latin typeface="Consolas" panose="020B0609020204030204" pitchFamily="49" charset="0"/>
+                <a:cs typeface="Consolas" panose="020B0609020204030204" pitchFamily="49" charset="0"/>
+              </a:rPr>
+              <a:t>age_check_by_region</a:t>
+            </a:r>
+            <a:r>
+              <a:rPr lang="en-US" dirty="0">
+                <a:latin typeface="Consolas" panose="020B0609020204030204" pitchFamily="49" charset="0"/>
+                <a:cs typeface="Consolas" panose="020B0609020204030204" pitchFamily="49" charset="0"/>
+              </a:rPr>
+              <a:t>(</a:t>
+            </a:r>
+            <a:r>
+              <a:rPr lang="en-US" dirty="0">
+                <a:solidFill>
+                  <a:srgbClr val="6897BB"/>
+                </a:solidFill>
+                <a:effectLst/>
+                <a:latin typeface="Consolas" panose="020B0609020204030204" pitchFamily="49" charset="0"/>
+                <a:cs typeface="Consolas" panose="020B0609020204030204" pitchFamily="49" charset="0"/>
+              </a:rPr>
+              <a:t>20</a:t>
+            </a:r>
+            <a:r>
+              <a:rPr lang="en-US" dirty="0">
+                <a:solidFill>
+                  <a:srgbClr val="CC7832"/>
+                </a:solidFill>
+                <a:effectLst/>
+                <a:latin typeface="Consolas" panose="020B0609020204030204" pitchFamily="49" charset="0"/>
+                <a:cs typeface="Consolas" panose="020B0609020204030204" pitchFamily="49" charset="0"/>
+              </a:rPr>
+              <a:t>, </a:t>
+            </a:r>
+            <a:r>
+              <a:rPr lang="en-US" dirty="0">
+                <a:solidFill>
+                  <a:srgbClr val="6A8759"/>
+                </a:solidFill>
+                <a:effectLst/>
+                <a:latin typeface="Consolas" panose="020B0609020204030204" pitchFamily="49" charset="0"/>
+                <a:cs typeface="Consolas" panose="020B0609020204030204" pitchFamily="49" charset="0"/>
+              </a:rPr>
+              <a:t>"USA"</a:t>
+            </a:r>
+            <a:r>
+              <a:rPr lang="en-US" dirty="0">
+                <a:latin typeface="Consolas" panose="020B0609020204030204" pitchFamily="49" charset="0"/>
+                <a:cs typeface="Consolas" panose="020B0609020204030204" pitchFamily="49" charset="0"/>
+              </a:rPr>
+              <a:t>) </a:t>
+            </a:r>
+            <a:r>
+              <a:rPr lang="en-US" dirty="0">
+                <a:solidFill>
+                  <a:srgbClr val="808080"/>
+                </a:solidFill>
+                <a:effectLst/>
+                <a:latin typeface="Consolas" panose="020B0609020204030204" pitchFamily="49" charset="0"/>
+                <a:cs typeface="Consolas" panose="020B0609020204030204" pitchFamily="49" charset="0"/>
+              </a:rPr>
+              <a:t># prints Not OK</a:t>
+            </a:r>
+            <a:br>
+              <a:rPr lang="en-US" dirty="0">
+                <a:solidFill>
+                  <a:srgbClr val="808080"/>
+                </a:solidFill>
+                <a:effectLst/>
+                <a:latin typeface="Consolas" panose="020B0609020204030204" pitchFamily="49" charset="0"/>
+                <a:cs typeface="Consolas" panose="020B0609020204030204" pitchFamily="49" charset="0"/>
+              </a:rPr>
+            </a:br>
+            <a:r>
+              <a:rPr lang="en-US" dirty="0" err="1">
+                <a:latin typeface="Consolas" panose="020B0609020204030204" pitchFamily="49" charset="0"/>
+                <a:cs typeface="Consolas" panose="020B0609020204030204" pitchFamily="49" charset="0"/>
+              </a:rPr>
+              <a:t>age_check_by_region</a:t>
+            </a:r>
+            <a:r>
+              <a:rPr lang="en-US" dirty="0">
+                <a:latin typeface="Consolas" panose="020B0609020204030204" pitchFamily="49" charset="0"/>
+                <a:cs typeface="Consolas" panose="020B0609020204030204" pitchFamily="49" charset="0"/>
+              </a:rPr>
+              <a:t>(</a:t>
+            </a:r>
+            <a:r>
+              <a:rPr lang="en-US" dirty="0">
+                <a:solidFill>
+                  <a:srgbClr val="6897BB"/>
+                </a:solidFill>
+                <a:effectLst/>
+                <a:latin typeface="Consolas" panose="020B0609020204030204" pitchFamily="49" charset="0"/>
+                <a:cs typeface="Consolas" panose="020B0609020204030204" pitchFamily="49" charset="0"/>
+              </a:rPr>
+              <a:t>20</a:t>
+            </a:r>
+            <a:r>
+              <a:rPr lang="en-US" dirty="0">
+                <a:solidFill>
+                  <a:srgbClr val="CC7832"/>
+                </a:solidFill>
+                <a:effectLst/>
+                <a:latin typeface="Consolas" panose="020B0609020204030204" pitchFamily="49" charset="0"/>
+                <a:cs typeface="Consolas" panose="020B0609020204030204" pitchFamily="49" charset="0"/>
+              </a:rPr>
+              <a:t>, </a:t>
+            </a:r>
+            <a:r>
+              <a:rPr lang="en-US" dirty="0">
+                <a:solidFill>
+                  <a:srgbClr val="6A8759"/>
+                </a:solidFill>
+                <a:effectLst/>
+                <a:latin typeface="Consolas" panose="020B0609020204030204" pitchFamily="49" charset="0"/>
+                <a:cs typeface="Consolas" panose="020B0609020204030204" pitchFamily="49" charset="0"/>
+              </a:rPr>
+              <a:t>"EURO"</a:t>
+            </a:r>
+            <a:r>
+              <a:rPr lang="en-US" dirty="0">
+                <a:latin typeface="Consolas" panose="020B0609020204030204" pitchFamily="49" charset="0"/>
+                <a:cs typeface="Consolas" panose="020B0609020204030204" pitchFamily="49" charset="0"/>
+              </a:rPr>
+              <a:t>) </a:t>
+            </a:r>
+            <a:r>
+              <a:rPr lang="en-US" dirty="0">
+                <a:solidFill>
+                  <a:srgbClr val="808080"/>
+                </a:solidFill>
+                <a:effectLst/>
+                <a:latin typeface="Consolas" panose="020B0609020204030204" pitchFamily="49" charset="0"/>
+                <a:cs typeface="Consolas" panose="020B0609020204030204" pitchFamily="49" charset="0"/>
+              </a:rPr>
+              <a:t># prints OK to buy</a:t>
+            </a:r>
+            <a:br>
+              <a:rPr lang="en-US" dirty="0">
+                <a:solidFill>
+                  <a:srgbClr val="808080"/>
+                </a:solidFill>
+                <a:effectLst/>
+                <a:latin typeface="Consolas" panose="020B0609020204030204" pitchFamily="49" charset="0"/>
+                <a:cs typeface="Consolas" panose="020B0609020204030204" pitchFamily="49" charset="0"/>
+              </a:rPr>
+            </a:br>
+            <a:r>
+              <a:rPr lang="en-US" dirty="0" err="1">
+                <a:latin typeface="Consolas" panose="020B0609020204030204" pitchFamily="49" charset="0"/>
+                <a:cs typeface="Consolas" panose="020B0609020204030204" pitchFamily="49" charset="0"/>
+              </a:rPr>
+              <a:t>age_check_by_region</a:t>
+            </a:r>
+            <a:r>
+              <a:rPr lang="en-US" dirty="0">
+                <a:latin typeface="Consolas" panose="020B0609020204030204" pitchFamily="49" charset="0"/>
+                <a:cs typeface="Consolas" panose="020B0609020204030204" pitchFamily="49" charset="0"/>
+              </a:rPr>
+              <a:t>(</a:t>
+            </a:r>
+            <a:r>
+              <a:rPr lang="en-US" dirty="0">
+                <a:solidFill>
+                  <a:srgbClr val="6897BB"/>
+                </a:solidFill>
+                <a:effectLst/>
+                <a:latin typeface="Consolas" panose="020B0609020204030204" pitchFamily="49" charset="0"/>
+                <a:cs typeface="Consolas" panose="020B0609020204030204" pitchFamily="49" charset="0"/>
+              </a:rPr>
+              <a:t>18</a:t>
+            </a:r>
+            <a:r>
+              <a:rPr lang="en-US" dirty="0">
+                <a:solidFill>
+                  <a:srgbClr val="CC7832"/>
+                </a:solidFill>
+                <a:effectLst/>
+                <a:latin typeface="Consolas" panose="020B0609020204030204" pitchFamily="49" charset="0"/>
+                <a:cs typeface="Consolas" panose="020B0609020204030204" pitchFamily="49" charset="0"/>
+              </a:rPr>
+              <a:t>, </a:t>
+            </a:r>
+            <a:r>
+              <a:rPr lang="en-US" dirty="0">
+                <a:solidFill>
+                  <a:srgbClr val="6A8759"/>
+                </a:solidFill>
+                <a:effectLst/>
+                <a:latin typeface="Consolas" panose="020B0609020204030204" pitchFamily="49" charset="0"/>
+                <a:cs typeface="Consolas" panose="020B0609020204030204" pitchFamily="49" charset="0"/>
+              </a:rPr>
+              <a:t>"EURO"</a:t>
+            </a:r>
+            <a:r>
+              <a:rPr lang="en-US" dirty="0">
+                <a:latin typeface="Consolas" panose="020B0609020204030204" pitchFamily="49" charset="0"/>
+                <a:cs typeface="Consolas" panose="020B0609020204030204" pitchFamily="49" charset="0"/>
+              </a:rPr>
+              <a:t>) </a:t>
+            </a:r>
+            <a:r>
+              <a:rPr lang="en-US" dirty="0">
+                <a:solidFill>
+                  <a:srgbClr val="808080"/>
+                </a:solidFill>
+                <a:effectLst/>
+                <a:latin typeface="Consolas" panose="020B0609020204030204" pitchFamily="49" charset="0"/>
+                <a:cs typeface="Consolas" panose="020B0609020204030204" pitchFamily="49" charset="0"/>
+              </a:rPr>
+              <a:t># prints OK to buy</a:t>
+            </a:r>
+            <a:br>
+              <a:rPr lang="en-US" dirty="0">
+                <a:solidFill>
+                  <a:srgbClr val="808080"/>
+                </a:solidFill>
+                <a:effectLst/>
+                <a:latin typeface="Consolas" panose="020B0609020204030204" pitchFamily="49" charset="0"/>
+                <a:cs typeface="Consolas" panose="020B0609020204030204" pitchFamily="49" charset="0"/>
+              </a:rPr>
+            </a:br>
+            <a:r>
+              <a:rPr lang="en-US" dirty="0" err="1">
+                <a:latin typeface="Consolas" panose="020B0609020204030204" pitchFamily="49" charset="0"/>
+                <a:cs typeface="Consolas" panose="020B0609020204030204" pitchFamily="49" charset="0"/>
+              </a:rPr>
+              <a:t>age_check_by_region</a:t>
+            </a:r>
+            <a:r>
+              <a:rPr lang="en-US" dirty="0">
+                <a:latin typeface="Consolas" panose="020B0609020204030204" pitchFamily="49" charset="0"/>
+                <a:cs typeface="Consolas" panose="020B0609020204030204" pitchFamily="49" charset="0"/>
+              </a:rPr>
+              <a:t>(</a:t>
+            </a:r>
+            <a:r>
+              <a:rPr lang="en-US" dirty="0">
+                <a:solidFill>
+                  <a:srgbClr val="6897BB"/>
+                </a:solidFill>
+                <a:effectLst/>
+                <a:latin typeface="Consolas" panose="020B0609020204030204" pitchFamily="49" charset="0"/>
+                <a:cs typeface="Consolas" panose="020B0609020204030204" pitchFamily="49" charset="0"/>
+              </a:rPr>
+              <a:t>17</a:t>
+            </a:r>
+            <a:r>
+              <a:rPr lang="en-US" dirty="0">
+                <a:solidFill>
+                  <a:srgbClr val="CC7832"/>
+                </a:solidFill>
+                <a:effectLst/>
+                <a:latin typeface="Consolas" panose="020B0609020204030204" pitchFamily="49" charset="0"/>
+                <a:cs typeface="Consolas" panose="020B0609020204030204" pitchFamily="49" charset="0"/>
+              </a:rPr>
+              <a:t>, </a:t>
+            </a:r>
+            <a:r>
+              <a:rPr lang="en-US" dirty="0">
+                <a:solidFill>
+                  <a:srgbClr val="6A8759"/>
+                </a:solidFill>
+                <a:effectLst/>
+                <a:latin typeface="Consolas" panose="020B0609020204030204" pitchFamily="49" charset="0"/>
+                <a:cs typeface="Consolas" panose="020B0609020204030204" pitchFamily="49" charset="0"/>
+              </a:rPr>
+              <a:t>"EURO"</a:t>
+            </a:r>
+            <a:r>
+              <a:rPr lang="en-US" dirty="0">
+                <a:latin typeface="Consolas" panose="020B0609020204030204" pitchFamily="49" charset="0"/>
+                <a:cs typeface="Consolas" panose="020B0609020204030204" pitchFamily="49" charset="0"/>
+              </a:rPr>
+              <a:t>) </a:t>
+            </a:r>
+            <a:r>
+              <a:rPr lang="en-US" dirty="0">
+                <a:solidFill>
+                  <a:srgbClr val="808080"/>
+                </a:solidFill>
+                <a:effectLst/>
+                <a:latin typeface="Consolas" panose="020B0609020204030204" pitchFamily="49" charset="0"/>
+                <a:cs typeface="Consolas" panose="020B0609020204030204" pitchFamily="49" charset="0"/>
+              </a:rPr>
+              <a:t># prints Not OK</a:t>
+            </a:r>
+            <a:br>
+              <a:rPr lang="en-US" dirty="0">
+                <a:solidFill>
+                  <a:srgbClr val="808080"/>
+                </a:solidFill>
+                <a:effectLst/>
+                <a:latin typeface="Consolas" panose="020B0609020204030204" pitchFamily="49" charset="0"/>
+                <a:cs typeface="Consolas" panose="020B0609020204030204" pitchFamily="49" charset="0"/>
+              </a:rPr>
+            </a:br>
+            <a:r>
+              <a:rPr lang="en-US" dirty="0">
+                <a:solidFill>
+                  <a:srgbClr val="808080"/>
+                </a:solidFill>
+                <a:effectLst/>
+                <a:latin typeface="Consolas" panose="020B0609020204030204" pitchFamily="49" charset="0"/>
+                <a:cs typeface="Consolas" panose="020B0609020204030204" pitchFamily="49" charset="0"/>
+              </a:rPr>
+              <a:t>### The  following is true for anything else you put in besides USA or EURO</a:t>
+            </a:r>
+            <a:br>
+              <a:rPr lang="en-US" dirty="0">
+                <a:solidFill>
+                  <a:srgbClr val="808080"/>
+                </a:solidFill>
+                <a:effectLst/>
+                <a:latin typeface="Consolas" panose="020B0609020204030204" pitchFamily="49" charset="0"/>
+                <a:cs typeface="Consolas" panose="020B0609020204030204" pitchFamily="49" charset="0"/>
+              </a:rPr>
+            </a:br>
+            <a:r>
+              <a:rPr lang="en-US" dirty="0" err="1">
+                <a:latin typeface="Consolas" panose="020B0609020204030204" pitchFamily="49" charset="0"/>
+                <a:cs typeface="Consolas" panose="020B0609020204030204" pitchFamily="49" charset="0"/>
+              </a:rPr>
+              <a:t>age_check_by_region</a:t>
+            </a:r>
+            <a:r>
+              <a:rPr lang="en-US" dirty="0">
+                <a:latin typeface="Consolas" panose="020B0609020204030204" pitchFamily="49" charset="0"/>
+                <a:cs typeface="Consolas" panose="020B0609020204030204" pitchFamily="49" charset="0"/>
+              </a:rPr>
+              <a:t>(</a:t>
+            </a:r>
+            <a:r>
+              <a:rPr lang="en-US" dirty="0">
+                <a:solidFill>
+                  <a:srgbClr val="6897BB"/>
+                </a:solidFill>
+                <a:effectLst/>
+                <a:latin typeface="Consolas" panose="020B0609020204030204" pitchFamily="49" charset="0"/>
+                <a:cs typeface="Consolas" panose="020B0609020204030204" pitchFamily="49" charset="0"/>
+              </a:rPr>
+              <a:t>25</a:t>
+            </a:r>
+            <a:r>
+              <a:rPr lang="en-US" dirty="0">
+                <a:solidFill>
+                  <a:srgbClr val="CC7832"/>
+                </a:solidFill>
+                <a:effectLst/>
+                <a:latin typeface="Consolas" panose="020B0609020204030204" pitchFamily="49" charset="0"/>
+                <a:cs typeface="Consolas" panose="020B0609020204030204" pitchFamily="49" charset="0"/>
+              </a:rPr>
+              <a:t>, </a:t>
+            </a:r>
+            <a:r>
+              <a:rPr lang="en-US" dirty="0">
+                <a:solidFill>
+                  <a:srgbClr val="6A8759"/>
+                </a:solidFill>
+                <a:effectLst/>
+                <a:latin typeface="Consolas" panose="020B0609020204030204" pitchFamily="49" charset="0"/>
+                <a:cs typeface="Consolas" panose="020B0609020204030204" pitchFamily="49" charset="0"/>
+              </a:rPr>
+              <a:t>"YOLO"</a:t>
+            </a:r>
+            <a:r>
+              <a:rPr lang="en-US" dirty="0">
+                <a:latin typeface="Consolas" panose="020B0609020204030204" pitchFamily="49" charset="0"/>
+                <a:cs typeface="Consolas" panose="020B0609020204030204" pitchFamily="49" charset="0"/>
+              </a:rPr>
+              <a:t>) </a:t>
+            </a:r>
+            <a:r>
+              <a:rPr lang="en-US" dirty="0">
+                <a:solidFill>
+                  <a:srgbClr val="808080"/>
+                </a:solidFill>
+                <a:effectLst/>
+                <a:latin typeface="Consolas" panose="020B0609020204030204" pitchFamily="49" charset="0"/>
+                <a:cs typeface="Consolas" panose="020B0609020204030204" pitchFamily="49" charset="0"/>
+              </a:rPr>
+              <a:t>#  prints Not  OK </a:t>
+            </a:r>
+            <a:endParaRPr lang="en-US" dirty="0">
+              <a:latin typeface="Consolas" panose="020B0609020204030204" pitchFamily="49" charset="0"/>
+              <a:cs typeface="Consolas" panose="020B0609020204030204" pitchFamily="49" charset="0"/>
+            </a:endParaRPr>
+          </a:p>
+        </p:txBody>
+      </p:sp>
+    </p:spTree>
+    <p:extLst>
+      <p:ext uri="{BB962C8B-B14F-4D97-AF65-F5344CB8AC3E}">
+        <p14:creationId xmlns:p14="http://schemas.microsoft.com/office/powerpoint/2010/main" val="1912763063"/>
+      </p:ext>
+    </p:extLst>
+  </p:cSld>
+  <p:clrMapOvr>
+    <a:masterClrMapping/>
+  </p:clrMapOvr>
+  <p:transition>
+    <p:fade/>
+  </p:transition>
+</p:sld>
+</file>
+
+<file path=ppt/slides/slide17.xml><?xml version="1.0" encoding="utf-8"?>
 <p:sld xmlns:a="http://schemas.openxmlformats.org/drawingml/2006/main" xmlns:r="http://schemas.openxmlformats.org/officeDocument/2006/relationships" xmlns:p="http://schemas.openxmlformats.org/presentationml/2006/main" show="0">
   <p:cSld>
     <p:spTree>
@@ -13144,7 +14156,7 @@
         </p:nvSpPr>
         <p:spPr>
           <a:xfrm>
-            <a:off x="7382933" y="488988"/>
+            <a:off x="4278489" y="3076806"/>
             <a:ext cx="4328429" cy="707886"/>
           </a:xfrm>
           <a:prstGeom prst="rect">
